--- a/Document/Report 3.pptx
+++ b/Document/Report 3.pptx
@@ -11,6 +11,16 @@
     <p:sldId id="259" r:id="rId5"/>
     <p:sldId id="260" r:id="rId6"/>
     <p:sldId id="261" r:id="rId7"/>
+    <p:sldId id="262" r:id="rId8"/>
+    <p:sldId id="264" r:id="rId9"/>
+    <p:sldId id="263" r:id="rId10"/>
+    <p:sldId id="265" r:id="rId11"/>
+    <p:sldId id="266" r:id="rId12"/>
+    <p:sldId id="267" r:id="rId13"/>
+    <p:sldId id="268" r:id="rId14"/>
+    <p:sldId id="269" r:id="rId15"/>
+    <p:sldId id="270" r:id="rId16"/>
+    <p:sldId id="271" r:id="rId17"/>
   </p:sldIdLst>
   <p:sldSz cx="12192000" cy="6858000"/>
   <p:notesSz cx="6858000" cy="9144000"/>
@@ -109,6 +119,11 @@
       </a:defRPr>
     </a:lvl9pPr>
   </p:defaultTextStyle>
+  <p:extLst>
+    <p:ext uri="{EFAFB233-063F-42B5-8137-9DF3F51BA10A}">
+      <p15:sldGuideLst xmlns:p15="http://schemas.microsoft.com/office/powerpoint/2012/main"/>
+    </p:ext>
+  </p:extLst>
 </p:presentation>
 </file>
 
@@ -3028,6 +3043,1088 @@
 </p:sld>
 </file>
 
+<file path=ppt/slides/slide10.xml><?xml version="1.0" encoding="utf-8"?>
+<p:sld xmlns:a="http://schemas.openxmlformats.org/drawingml/2006/main" xmlns:r="http://schemas.openxmlformats.org/officeDocument/2006/relationships" xmlns:p="http://schemas.openxmlformats.org/presentationml/2006/main">
+  <p:cSld>
+    <p:spTree>
+      <p:nvGrpSpPr>
+        <p:cNvPr id="1" name=""/>
+        <p:cNvGrpSpPr/>
+        <p:nvPr/>
+      </p:nvGrpSpPr>
+      <p:grpSpPr>
+        <a:xfrm>
+          <a:off x="0" y="0"/>
+          <a:ext cx="0" cy="0"/>
+          <a:chOff x="0" y="0"/>
+          <a:chExt cx="0" cy="0"/>
+        </a:xfrm>
+      </p:grpSpPr>
+      <p:sp>
+        <p:nvSpPr>
+          <p:cNvPr id="2" name="Title 1"/>
+          <p:cNvSpPr>
+            <a:spLocks noGrp="1"/>
+          </p:cNvSpPr>
+          <p:nvPr>
+            <p:ph type="title"/>
+          </p:nvPr>
+        </p:nvSpPr>
+        <p:spPr/>
+        <p:txBody>
+          <a:bodyPr/>
+          <a:lstStyle/>
+          <a:p>
+            <a:r>
+              <a:rPr lang="en-US" dirty="0" smtClean="0"/>
+              <a:t>Auto Number Generator Plugin</a:t>
+            </a:r>
+            <a:endParaRPr lang="en-US" dirty="0"/>
+          </a:p>
+        </p:txBody>
+      </p:sp>
+      <p:sp>
+        <p:nvSpPr>
+          <p:cNvPr id="3" name="Content Placeholder 2"/>
+          <p:cNvSpPr>
+            <a:spLocks noGrp="1"/>
+          </p:cNvSpPr>
+          <p:nvPr>
+            <p:ph idx="1"/>
+          </p:nvPr>
+        </p:nvSpPr>
+        <p:spPr/>
+        <p:txBody>
+          <a:bodyPr/>
+          <a:lstStyle/>
+          <a:p>
+            <a:r>
+              <a:rPr lang="en-US" dirty="0" smtClean="0"/>
+              <a:t>Objective: to generate a string based on settings (prefix, max, min).</a:t>
+            </a:r>
+          </a:p>
+          <a:p>
+            <a:r>
+              <a:rPr lang="en-US" dirty="0" smtClean="0"/>
+              <a:t>Example: prefix = “GT”, max=10, min=4.</a:t>
+            </a:r>
+            <a:endParaRPr lang="en-US" dirty="0"/>
+          </a:p>
+          <a:p>
+            <a:pPr lvl="1">
+              <a:buFont typeface="Courier New" panose="02070309020205020404" pitchFamily="49" charset="0"/>
+              <a:buChar char="o"/>
+            </a:pPr>
+            <a:r>
+              <a:rPr lang="en-US" dirty="0" smtClean="0"/>
+              <a:t>First record: GT004.</a:t>
+            </a:r>
+          </a:p>
+          <a:p>
+            <a:pPr lvl="1">
+              <a:buFont typeface="Courier New" panose="02070309020205020404" pitchFamily="49" charset="0"/>
+              <a:buChar char="o"/>
+            </a:pPr>
+            <a:r>
+              <a:rPr lang="en-US" dirty="0" smtClean="0"/>
+              <a:t>Second record: GT005.</a:t>
+            </a:r>
+          </a:p>
+          <a:p>
+            <a:pPr lvl="1">
+              <a:buFont typeface="Courier New" panose="02070309020205020404" pitchFamily="49" charset="0"/>
+              <a:buChar char="o"/>
+            </a:pPr>
+            <a:r>
+              <a:rPr lang="en-US" dirty="0" smtClean="0"/>
+              <a:t>Last record: GT010.</a:t>
+            </a:r>
+          </a:p>
+        </p:txBody>
+      </p:sp>
+    </p:spTree>
+    <p:extLst>
+      <p:ext uri="{BB962C8B-B14F-4D97-AF65-F5344CB8AC3E}">
+        <p14:creationId xmlns:p14="http://schemas.microsoft.com/office/powerpoint/2010/main" val="228865177"/>
+      </p:ext>
+    </p:extLst>
+  </p:cSld>
+  <p:clrMapOvr>
+    <a:masterClrMapping/>
+  </p:clrMapOvr>
+</p:sld>
+</file>
+
+<file path=ppt/slides/slide11.xml><?xml version="1.0" encoding="utf-8"?>
+<p:sld xmlns:a="http://schemas.openxmlformats.org/drawingml/2006/main" xmlns:r="http://schemas.openxmlformats.org/officeDocument/2006/relationships" xmlns:p="http://schemas.openxmlformats.org/presentationml/2006/main">
+  <p:cSld>
+    <p:spTree>
+      <p:nvGrpSpPr>
+        <p:cNvPr id="1" name=""/>
+        <p:cNvGrpSpPr/>
+        <p:nvPr/>
+      </p:nvGrpSpPr>
+      <p:grpSpPr>
+        <a:xfrm>
+          <a:off x="0" y="0"/>
+          <a:ext cx="0" cy="0"/>
+          <a:chOff x="0" y="0"/>
+          <a:chExt cx="0" cy="0"/>
+        </a:xfrm>
+      </p:grpSpPr>
+      <p:sp>
+        <p:nvSpPr>
+          <p:cNvPr id="2" name="Title 1"/>
+          <p:cNvSpPr>
+            <a:spLocks noGrp="1"/>
+          </p:cNvSpPr>
+          <p:nvPr>
+            <p:ph type="title"/>
+          </p:nvPr>
+        </p:nvSpPr>
+        <p:spPr/>
+        <p:txBody>
+          <a:bodyPr/>
+          <a:lstStyle/>
+          <a:p>
+            <a:r>
+              <a:rPr lang="en-US" dirty="0"/>
+              <a:t>Auto Number </a:t>
+            </a:r>
+            <a:r>
+              <a:rPr lang="en-US" dirty="0" smtClean="0"/>
+              <a:t>Generator </a:t>
+            </a:r>
+            <a:r>
+              <a:rPr lang="en-US" dirty="0"/>
+              <a:t>Plugin</a:t>
+            </a:r>
+          </a:p>
+        </p:txBody>
+      </p:sp>
+      <p:sp>
+        <p:nvSpPr>
+          <p:cNvPr id="3" name="Content Placeholder 2"/>
+          <p:cNvSpPr>
+            <a:spLocks noGrp="1"/>
+          </p:cNvSpPr>
+          <p:nvPr>
+            <p:ph idx="1"/>
+          </p:nvPr>
+        </p:nvSpPr>
+        <p:spPr/>
+        <p:txBody>
+          <a:bodyPr/>
+          <a:lstStyle/>
+          <a:p>
+            <a:r>
+              <a:rPr lang="en-US" dirty="0" smtClean="0"/>
+              <a:t>Create a custom entity to store settings.</a:t>
+            </a:r>
+          </a:p>
+        </p:txBody>
+      </p:sp>
+      <p:pic>
+        <p:nvPicPr>
+          <p:cNvPr id="4" name="Picture 3"/>
+          <p:cNvPicPr>
+            <a:picLocks noChangeAspect="1"/>
+          </p:cNvPicPr>
+          <p:nvPr/>
+        </p:nvPicPr>
+        <p:blipFill rotWithShape="1">
+          <a:blip r:embed="rId2"/>
+          <a:srcRect l="2304" t="18431" r="3074" b="19216"/>
+          <a:stretch/>
+        </p:blipFill>
+        <p:spPr>
+          <a:xfrm>
+            <a:off x="394447" y="2460813"/>
+            <a:ext cx="7718612" cy="4276164"/>
+          </a:xfrm>
+          <a:prstGeom prst="rect">
+            <a:avLst/>
+          </a:prstGeom>
+        </p:spPr>
+      </p:pic>
+      <p:sp>
+        <p:nvSpPr>
+          <p:cNvPr id="5" name="Rectangle 4"/>
+          <p:cNvSpPr/>
+          <p:nvPr/>
+        </p:nvSpPr>
+        <p:spPr>
+          <a:xfrm>
+            <a:off x="1640541" y="3826669"/>
+            <a:ext cx="6331884" cy="978693"/>
+          </a:xfrm>
+          <a:prstGeom prst="rect">
+            <a:avLst/>
+          </a:prstGeom>
+          <a:noFill/>
+          <a:ln w="38100">
+            <a:solidFill>
+              <a:schemeClr val="accent2">
+                <a:lumMod val="75000"/>
+              </a:schemeClr>
+            </a:solidFill>
+          </a:ln>
+        </p:spPr>
+        <p:style>
+          <a:lnRef idx="2">
+            <a:schemeClr val="accent1">
+              <a:shade val="50000"/>
+            </a:schemeClr>
+          </a:lnRef>
+          <a:fillRef idx="1">
+            <a:schemeClr val="accent1"/>
+          </a:fillRef>
+          <a:effectRef idx="0">
+            <a:schemeClr val="accent1"/>
+          </a:effectRef>
+          <a:fontRef idx="minor">
+            <a:schemeClr val="lt1"/>
+          </a:fontRef>
+        </p:style>
+        <p:txBody>
+          <a:bodyPr rtlCol="0" anchor="ctr"/>
+          <a:lstStyle/>
+          <a:p>
+            <a:pPr algn="ctr"/>
+            <a:endParaRPr lang="en-US"/>
+          </a:p>
+        </p:txBody>
+      </p:sp>
+      <p:sp>
+        <p:nvSpPr>
+          <p:cNvPr id="6" name="Right Arrow 5"/>
+          <p:cNvSpPr/>
+          <p:nvPr/>
+        </p:nvSpPr>
+        <p:spPr>
+          <a:xfrm>
+            <a:off x="8113059" y="4095750"/>
+            <a:ext cx="897591" cy="514350"/>
+          </a:xfrm>
+          <a:prstGeom prst="rightArrow">
+            <a:avLst/>
+          </a:prstGeom>
+          <a:solidFill>
+            <a:schemeClr val="accent2">
+              <a:lumMod val="75000"/>
+            </a:schemeClr>
+          </a:solidFill>
+          <a:ln>
+            <a:noFill/>
+          </a:ln>
+        </p:spPr>
+        <p:style>
+          <a:lnRef idx="2">
+            <a:schemeClr val="accent1">
+              <a:shade val="50000"/>
+            </a:schemeClr>
+          </a:lnRef>
+          <a:fillRef idx="1">
+            <a:schemeClr val="accent1"/>
+          </a:fillRef>
+          <a:effectRef idx="0">
+            <a:schemeClr val="accent1"/>
+          </a:effectRef>
+          <a:fontRef idx="minor">
+            <a:schemeClr val="lt1"/>
+          </a:fontRef>
+        </p:style>
+        <p:txBody>
+          <a:bodyPr rtlCol="0" anchor="ctr"/>
+          <a:lstStyle/>
+          <a:p>
+            <a:pPr algn="ctr"/>
+            <a:endParaRPr lang="en-US"/>
+          </a:p>
+        </p:txBody>
+      </p:sp>
+      <p:sp>
+        <p:nvSpPr>
+          <p:cNvPr id="7" name="TextBox 6"/>
+          <p:cNvSpPr txBox="1"/>
+          <p:nvPr/>
+        </p:nvSpPr>
+        <p:spPr>
+          <a:xfrm>
+            <a:off x="9020175" y="4025384"/>
+            <a:ext cx="2977482" cy="646331"/>
+          </a:xfrm>
+          <a:prstGeom prst="rect">
+            <a:avLst/>
+          </a:prstGeom>
+          <a:noFill/>
+        </p:spPr>
+        <p:txBody>
+          <a:bodyPr wrap="none" rtlCol="0">
+            <a:spAutoFit/>
+          </a:bodyPr>
+          <a:lstStyle/>
+          <a:p>
+            <a:r>
+              <a:rPr lang="en-US" dirty="0" smtClean="0"/>
+              <a:t>Web resource:</a:t>
+            </a:r>
+          </a:p>
+          <a:p>
+            <a:r>
+              <a:rPr lang="en-US" dirty="0" smtClean="0"/>
+              <a:t>Html, </a:t>
+            </a:r>
+            <a:r>
+              <a:rPr lang="en-US" dirty="0" err="1"/>
+              <a:t>j</a:t>
+            </a:r>
+            <a:r>
+              <a:rPr lang="en-US" dirty="0" err="1" smtClean="0"/>
+              <a:t>avascript</a:t>
+            </a:r>
+            <a:r>
+              <a:rPr lang="en-US" dirty="0" smtClean="0"/>
+              <a:t> ajax, web </a:t>
+            </a:r>
+            <a:r>
+              <a:rPr lang="en-US" dirty="0" err="1" smtClean="0"/>
+              <a:t>api</a:t>
+            </a:r>
+            <a:r>
+              <a:rPr lang="en-US" dirty="0" smtClean="0"/>
+              <a:t>.</a:t>
+            </a:r>
+            <a:endParaRPr lang="en-US" dirty="0"/>
+          </a:p>
+        </p:txBody>
+      </p:sp>
+    </p:spTree>
+    <p:extLst>
+      <p:ext uri="{BB962C8B-B14F-4D97-AF65-F5344CB8AC3E}">
+        <p14:creationId xmlns:p14="http://schemas.microsoft.com/office/powerpoint/2010/main" val="2766523911"/>
+      </p:ext>
+    </p:extLst>
+  </p:cSld>
+  <p:clrMapOvr>
+    <a:masterClrMapping/>
+  </p:clrMapOvr>
+  <p:timing>
+    <p:tnLst>
+      <p:par>
+        <p:cTn id="1" dur="indefinite" restart="never" nodeType="tmRoot"/>
+      </p:par>
+    </p:tnLst>
+  </p:timing>
+</p:sld>
+</file>
+
+<file path=ppt/slides/slide12.xml><?xml version="1.0" encoding="utf-8"?>
+<p:sld xmlns:a="http://schemas.openxmlformats.org/drawingml/2006/main" xmlns:r="http://schemas.openxmlformats.org/officeDocument/2006/relationships" xmlns:p="http://schemas.openxmlformats.org/presentationml/2006/main">
+  <p:cSld>
+    <p:spTree>
+      <p:nvGrpSpPr>
+        <p:cNvPr id="1" name=""/>
+        <p:cNvGrpSpPr/>
+        <p:nvPr/>
+      </p:nvGrpSpPr>
+      <p:grpSpPr>
+        <a:xfrm>
+          <a:off x="0" y="0"/>
+          <a:ext cx="0" cy="0"/>
+          <a:chOff x="0" y="0"/>
+          <a:chExt cx="0" cy="0"/>
+        </a:xfrm>
+      </p:grpSpPr>
+      <p:sp>
+        <p:nvSpPr>
+          <p:cNvPr id="2" name="Title 1"/>
+          <p:cNvSpPr>
+            <a:spLocks noGrp="1"/>
+          </p:cNvSpPr>
+          <p:nvPr>
+            <p:ph type="title"/>
+          </p:nvPr>
+        </p:nvSpPr>
+        <p:spPr/>
+        <p:txBody>
+          <a:bodyPr/>
+          <a:lstStyle/>
+          <a:p>
+            <a:r>
+              <a:rPr lang="en-US" dirty="0"/>
+              <a:t>Auto Number Generator Plugin</a:t>
+            </a:r>
+          </a:p>
+        </p:txBody>
+      </p:sp>
+      <p:sp>
+        <p:nvSpPr>
+          <p:cNvPr id="3" name="Content Placeholder 2"/>
+          <p:cNvSpPr>
+            <a:spLocks noGrp="1"/>
+          </p:cNvSpPr>
+          <p:nvPr>
+            <p:ph idx="1"/>
+          </p:nvPr>
+        </p:nvSpPr>
+        <p:spPr/>
+        <p:txBody>
+          <a:bodyPr/>
+          <a:lstStyle/>
+          <a:p>
+            <a:r>
+              <a:rPr lang="en-US" dirty="0" smtClean="0"/>
+              <a:t>Add 2 columns to entity:</a:t>
+            </a:r>
+          </a:p>
+          <a:p>
+            <a:pPr lvl="1">
+              <a:buFont typeface="Courier New" panose="02070309020205020404" pitchFamily="49" charset="0"/>
+              <a:buChar char="o"/>
+            </a:pPr>
+            <a:r>
+              <a:rPr lang="en-US" dirty="0" err="1" smtClean="0"/>
+              <a:t>new_autonumberingoptionid</a:t>
+            </a:r>
+            <a:r>
+              <a:rPr lang="en-US" dirty="0" smtClean="0"/>
+              <a:t>: lookup to setting entity.</a:t>
+            </a:r>
+          </a:p>
+          <a:p>
+            <a:pPr lvl="1">
+              <a:buFont typeface="Courier New" panose="02070309020205020404" pitchFamily="49" charset="0"/>
+              <a:buChar char="o"/>
+            </a:pPr>
+            <a:r>
+              <a:rPr lang="en-US" dirty="0" err="1" smtClean="0"/>
+              <a:t>new_autonumber</a:t>
+            </a:r>
+            <a:r>
+              <a:rPr lang="en-US" dirty="0" smtClean="0"/>
+              <a:t>: to store generated string.</a:t>
+            </a:r>
+            <a:endParaRPr lang="en-US" dirty="0"/>
+          </a:p>
+        </p:txBody>
+      </p:sp>
+      <p:pic>
+        <p:nvPicPr>
+          <p:cNvPr id="5" name="Picture 4"/>
+          <p:cNvPicPr>
+            <a:picLocks noChangeAspect="1"/>
+          </p:cNvPicPr>
+          <p:nvPr/>
+        </p:nvPicPr>
+        <p:blipFill rotWithShape="1">
+          <a:blip r:embed="rId2"/>
+          <a:srcRect t="31823" b="28108"/>
+          <a:stretch/>
+        </p:blipFill>
+        <p:spPr>
+          <a:xfrm>
+            <a:off x="0" y="3149600"/>
+            <a:ext cx="12192000" cy="2603500"/>
+          </a:xfrm>
+          <a:prstGeom prst="rect">
+            <a:avLst/>
+          </a:prstGeom>
+        </p:spPr>
+      </p:pic>
+    </p:spTree>
+    <p:extLst>
+      <p:ext uri="{BB962C8B-B14F-4D97-AF65-F5344CB8AC3E}">
+        <p14:creationId xmlns:p14="http://schemas.microsoft.com/office/powerpoint/2010/main" val="4117145240"/>
+      </p:ext>
+    </p:extLst>
+  </p:cSld>
+  <p:clrMapOvr>
+    <a:masterClrMapping/>
+  </p:clrMapOvr>
+  <p:timing>
+    <p:tnLst>
+      <p:par>
+        <p:cTn id="1" dur="indefinite" restart="never" nodeType="tmRoot"/>
+      </p:par>
+    </p:tnLst>
+  </p:timing>
+</p:sld>
+</file>
+
+<file path=ppt/slides/slide13.xml><?xml version="1.0" encoding="utf-8"?>
+<p:sld xmlns:a="http://schemas.openxmlformats.org/drawingml/2006/main" xmlns:r="http://schemas.openxmlformats.org/officeDocument/2006/relationships" xmlns:p="http://schemas.openxmlformats.org/presentationml/2006/main">
+  <p:cSld>
+    <p:spTree>
+      <p:nvGrpSpPr>
+        <p:cNvPr id="1" name=""/>
+        <p:cNvGrpSpPr/>
+        <p:nvPr/>
+      </p:nvGrpSpPr>
+      <p:grpSpPr>
+        <a:xfrm>
+          <a:off x="0" y="0"/>
+          <a:ext cx="0" cy="0"/>
+          <a:chOff x="0" y="0"/>
+          <a:chExt cx="0" cy="0"/>
+        </a:xfrm>
+      </p:grpSpPr>
+      <p:sp>
+        <p:nvSpPr>
+          <p:cNvPr id="2" name="Title 1"/>
+          <p:cNvSpPr>
+            <a:spLocks noGrp="1"/>
+          </p:cNvSpPr>
+          <p:nvPr>
+            <p:ph type="title"/>
+          </p:nvPr>
+        </p:nvSpPr>
+        <p:spPr/>
+        <p:txBody>
+          <a:bodyPr/>
+          <a:lstStyle/>
+          <a:p>
+            <a:r>
+              <a:rPr lang="en-US" dirty="0"/>
+              <a:t>Auto Number Generator Plugin</a:t>
+            </a:r>
+          </a:p>
+        </p:txBody>
+      </p:sp>
+      <p:sp>
+        <p:nvSpPr>
+          <p:cNvPr id="3" name="Content Placeholder 2"/>
+          <p:cNvSpPr>
+            <a:spLocks noGrp="1"/>
+          </p:cNvSpPr>
+          <p:nvPr>
+            <p:ph idx="1"/>
+          </p:nvPr>
+        </p:nvSpPr>
+        <p:spPr/>
+        <p:txBody>
+          <a:bodyPr/>
+          <a:lstStyle/>
+          <a:p>
+            <a:r>
+              <a:rPr lang="en-US" dirty="0" smtClean="0"/>
+              <a:t>Register a plugin on Create and Update on any entity.</a:t>
+            </a:r>
+          </a:p>
+          <a:p>
+            <a:r>
+              <a:rPr lang="en-US" dirty="0" smtClean="0"/>
+              <a:t>Plugin details:</a:t>
+            </a:r>
+          </a:p>
+          <a:p>
+            <a:pPr marL="914400" lvl="1" indent="-457200">
+              <a:buFont typeface="+mj-lt"/>
+              <a:buAutoNum type="arabicPeriod"/>
+            </a:pPr>
+            <a:r>
+              <a:rPr lang="en-US" dirty="0" smtClean="0"/>
+              <a:t>Check if user updates setting entity(rule).</a:t>
+            </a:r>
+          </a:p>
+          <a:p>
+            <a:pPr marL="914400" lvl="1" indent="-457200">
+              <a:buFont typeface="+mj-lt"/>
+              <a:buAutoNum type="arabicPeriod"/>
+            </a:pPr>
+            <a:r>
+              <a:rPr lang="en-US" dirty="0" smtClean="0"/>
+              <a:t>If user removes rule on current record, clear “Auto Number” of current record.</a:t>
+            </a:r>
+          </a:p>
+          <a:p>
+            <a:pPr marL="914400" lvl="1" indent="-457200">
+              <a:buFont typeface="+mj-lt"/>
+              <a:buAutoNum type="arabicPeriod"/>
+            </a:pPr>
+            <a:r>
+              <a:rPr lang="en-US" dirty="0" smtClean="0"/>
+              <a:t>Check if the rule is applying to current record.</a:t>
+            </a:r>
+          </a:p>
+          <a:p>
+            <a:pPr marL="914400" lvl="1" indent="-457200">
+              <a:buFont typeface="+mj-lt"/>
+              <a:buAutoNum type="arabicPeriod"/>
+            </a:pPr>
+            <a:r>
+              <a:rPr lang="en-US" dirty="0" smtClean="0"/>
+              <a:t>Check if “Next Number” reaches “Max”.</a:t>
+            </a:r>
+          </a:p>
+          <a:p>
+            <a:pPr marL="914400" lvl="1" indent="-457200">
+              <a:buFont typeface="+mj-lt"/>
+              <a:buAutoNum type="arabicPeriod"/>
+            </a:pPr>
+            <a:r>
+              <a:rPr lang="en-US" dirty="0" smtClean="0"/>
+              <a:t>Generate string and increase “Next Number” on rule.</a:t>
+            </a:r>
+          </a:p>
+        </p:txBody>
+      </p:sp>
+    </p:spTree>
+    <p:extLst>
+      <p:ext uri="{BB962C8B-B14F-4D97-AF65-F5344CB8AC3E}">
+        <p14:creationId xmlns:p14="http://schemas.microsoft.com/office/powerpoint/2010/main" val="1576472506"/>
+      </p:ext>
+    </p:extLst>
+  </p:cSld>
+  <p:clrMapOvr>
+    <a:masterClrMapping/>
+  </p:clrMapOvr>
+</p:sld>
+</file>
+
+<file path=ppt/slides/slide14.xml><?xml version="1.0" encoding="utf-8"?>
+<p:sld xmlns:a="http://schemas.openxmlformats.org/drawingml/2006/main" xmlns:r="http://schemas.openxmlformats.org/officeDocument/2006/relationships" xmlns:p="http://schemas.openxmlformats.org/presentationml/2006/main">
+  <p:cSld>
+    <p:spTree>
+      <p:nvGrpSpPr>
+        <p:cNvPr id="1" name=""/>
+        <p:cNvGrpSpPr/>
+        <p:nvPr/>
+      </p:nvGrpSpPr>
+      <p:grpSpPr>
+        <a:xfrm>
+          <a:off x="0" y="0"/>
+          <a:ext cx="0" cy="0"/>
+          <a:chOff x="0" y="0"/>
+          <a:chExt cx="0" cy="0"/>
+        </a:xfrm>
+      </p:grpSpPr>
+      <p:sp>
+        <p:nvSpPr>
+          <p:cNvPr id="2" name="Title 1"/>
+          <p:cNvSpPr>
+            <a:spLocks noGrp="1"/>
+          </p:cNvSpPr>
+          <p:nvPr>
+            <p:ph type="title"/>
+          </p:nvPr>
+        </p:nvSpPr>
+        <p:spPr/>
+        <p:txBody>
+          <a:bodyPr/>
+          <a:lstStyle/>
+          <a:p>
+            <a:r>
+              <a:rPr lang="en-US" dirty="0"/>
+              <a:t>Auto Number Generator </a:t>
+            </a:r>
+            <a:r>
+              <a:rPr lang="en-US" dirty="0" smtClean="0"/>
+              <a:t>Plugin Result</a:t>
+            </a:r>
+            <a:endParaRPr lang="en-US" dirty="0"/>
+          </a:p>
+        </p:txBody>
+      </p:sp>
+      <p:sp>
+        <p:nvSpPr>
+          <p:cNvPr id="3" name="Content Placeholder 2"/>
+          <p:cNvSpPr>
+            <a:spLocks noGrp="1"/>
+          </p:cNvSpPr>
+          <p:nvPr>
+            <p:ph idx="1"/>
+          </p:nvPr>
+        </p:nvSpPr>
+        <p:spPr/>
+        <p:txBody>
+          <a:bodyPr/>
+          <a:lstStyle/>
+          <a:p>
+            <a:pPr>
+              <a:tabLst>
+                <a:tab pos="5143500" algn="l"/>
+              </a:tabLst>
+            </a:pPr>
+            <a:r>
+              <a:rPr lang="en-US" dirty="0" smtClean="0"/>
+              <a:t>Rule:	Record 1:</a:t>
+            </a:r>
+            <a:endParaRPr lang="en-US" dirty="0"/>
+          </a:p>
+          <a:p>
+            <a:pPr marL="0" indent="0">
+              <a:buNone/>
+              <a:tabLst>
+                <a:tab pos="5143500" algn="l"/>
+              </a:tabLst>
+            </a:pPr>
+            <a:r>
+              <a:rPr lang="en-US" dirty="0" smtClean="0"/>
+              <a:t>	</a:t>
+            </a:r>
+          </a:p>
+          <a:p>
+            <a:pPr marL="0" indent="0">
+              <a:buNone/>
+              <a:tabLst>
+                <a:tab pos="5143500" algn="l"/>
+              </a:tabLst>
+            </a:pPr>
+            <a:endParaRPr lang="en-US" dirty="0"/>
+          </a:p>
+          <a:p>
+            <a:pPr marL="0" indent="0">
+              <a:buNone/>
+              <a:tabLst>
+                <a:tab pos="5143500" algn="l"/>
+              </a:tabLst>
+            </a:pPr>
+            <a:r>
+              <a:rPr lang="en-US" dirty="0"/>
+              <a:t>	</a:t>
+            </a:r>
+            <a:r>
+              <a:rPr lang="en-US" dirty="0" smtClean="0"/>
+              <a:t>Record 2:</a:t>
+            </a:r>
+          </a:p>
+          <a:p>
+            <a:pPr marL="0" indent="0">
+              <a:buNone/>
+              <a:tabLst>
+                <a:tab pos="5143500" algn="l"/>
+              </a:tabLst>
+            </a:pPr>
+            <a:endParaRPr lang="en-US" dirty="0"/>
+          </a:p>
+          <a:p>
+            <a:pPr marL="0" indent="0">
+              <a:buNone/>
+              <a:tabLst>
+                <a:tab pos="5143500" algn="l"/>
+              </a:tabLst>
+            </a:pPr>
+            <a:endParaRPr lang="en-US" dirty="0" smtClean="0"/>
+          </a:p>
+          <a:p>
+            <a:pPr marL="0" indent="0">
+              <a:buNone/>
+              <a:tabLst>
+                <a:tab pos="5143500" algn="l"/>
+              </a:tabLst>
+            </a:pPr>
+            <a:r>
+              <a:rPr lang="en-US" dirty="0" smtClean="0"/>
+              <a:t>	</a:t>
+            </a:r>
+          </a:p>
+        </p:txBody>
+      </p:sp>
+      <p:pic>
+        <p:nvPicPr>
+          <p:cNvPr id="4" name="Picture 3"/>
+          <p:cNvPicPr>
+            <a:picLocks noChangeAspect="1"/>
+          </p:cNvPicPr>
+          <p:nvPr/>
+        </p:nvPicPr>
+        <p:blipFill rotWithShape="1">
+          <a:blip r:embed="rId2"/>
+          <a:srcRect l="4072" t="33414" r="63389" b="20001"/>
+          <a:stretch/>
+        </p:blipFill>
+        <p:spPr>
+          <a:xfrm>
+            <a:off x="1142999" y="2362200"/>
+            <a:ext cx="3492465" cy="4203700"/>
+          </a:xfrm>
+          <a:prstGeom prst="rect">
+            <a:avLst/>
+          </a:prstGeom>
+        </p:spPr>
+      </p:pic>
+      <p:pic>
+        <p:nvPicPr>
+          <p:cNvPr id="5" name="Picture 4"/>
+          <p:cNvPicPr>
+            <a:picLocks noChangeAspect="1"/>
+          </p:cNvPicPr>
+          <p:nvPr/>
+        </p:nvPicPr>
+        <p:blipFill>
+          <a:blip r:embed="rId3"/>
+          <a:stretch>
+            <a:fillRect/>
+          </a:stretch>
+        </p:blipFill>
+        <p:spPr>
+          <a:xfrm>
+            <a:off x="5556250" y="2227263"/>
+            <a:ext cx="6305550" cy="1077133"/>
+          </a:xfrm>
+          <a:prstGeom prst="rect">
+            <a:avLst/>
+          </a:prstGeom>
+        </p:spPr>
+      </p:pic>
+      <p:pic>
+        <p:nvPicPr>
+          <p:cNvPr id="6" name="Picture 5"/>
+          <p:cNvPicPr>
+            <a:picLocks noChangeAspect="1"/>
+          </p:cNvPicPr>
+          <p:nvPr/>
+        </p:nvPicPr>
+        <p:blipFill rotWithShape="1">
+          <a:blip r:embed="rId4"/>
+          <a:srcRect b="9460"/>
+          <a:stretch/>
+        </p:blipFill>
+        <p:spPr>
+          <a:xfrm>
+            <a:off x="5613400" y="3756835"/>
+            <a:ext cx="6248400" cy="1119966"/>
+          </a:xfrm>
+          <a:prstGeom prst="rect">
+            <a:avLst/>
+          </a:prstGeom>
+        </p:spPr>
+      </p:pic>
+    </p:spTree>
+    <p:extLst>
+      <p:ext uri="{BB962C8B-B14F-4D97-AF65-F5344CB8AC3E}">
+        <p14:creationId xmlns:p14="http://schemas.microsoft.com/office/powerpoint/2010/main" val="3685483669"/>
+      </p:ext>
+    </p:extLst>
+  </p:cSld>
+  <p:clrMapOvr>
+    <a:masterClrMapping/>
+  </p:clrMapOvr>
+</p:sld>
+</file>
+
+<file path=ppt/slides/slide15.xml><?xml version="1.0" encoding="utf-8"?>
+<p:sld xmlns:a="http://schemas.openxmlformats.org/drawingml/2006/main" xmlns:r="http://schemas.openxmlformats.org/officeDocument/2006/relationships" xmlns:p="http://schemas.openxmlformats.org/presentationml/2006/main">
+  <p:cSld>
+    <p:spTree>
+      <p:nvGrpSpPr>
+        <p:cNvPr id="1" name=""/>
+        <p:cNvGrpSpPr/>
+        <p:nvPr/>
+      </p:nvGrpSpPr>
+      <p:grpSpPr>
+        <a:xfrm>
+          <a:off x="0" y="0"/>
+          <a:ext cx="0" cy="0"/>
+          <a:chOff x="0" y="0"/>
+          <a:chExt cx="0" cy="0"/>
+        </a:xfrm>
+      </p:grpSpPr>
+      <p:sp>
+        <p:nvSpPr>
+          <p:cNvPr id="2" name="Title 1"/>
+          <p:cNvSpPr>
+            <a:spLocks noGrp="1"/>
+          </p:cNvSpPr>
+          <p:nvPr>
+            <p:ph type="title"/>
+          </p:nvPr>
+        </p:nvSpPr>
+        <p:spPr/>
+        <p:txBody>
+          <a:bodyPr/>
+          <a:lstStyle/>
+          <a:p>
+            <a:r>
+              <a:rPr lang="en-US" dirty="0"/>
+              <a:t>Auto Number Generator Plugin Result</a:t>
+            </a:r>
+          </a:p>
+        </p:txBody>
+      </p:sp>
+      <p:sp>
+        <p:nvSpPr>
+          <p:cNvPr id="3" name="Content Placeholder 2"/>
+          <p:cNvSpPr>
+            <a:spLocks noGrp="1"/>
+          </p:cNvSpPr>
+          <p:nvPr>
+            <p:ph idx="1"/>
+          </p:nvPr>
+        </p:nvSpPr>
+        <p:spPr/>
+        <p:txBody>
+          <a:bodyPr/>
+          <a:lstStyle/>
+          <a:p>
+            <a:r>
+              <a:rPr lang="en-US" dirty="0" smtClean="0"/>
+              <a:t>Record 3:</a:t>
+            </a:r>
+          </a:p>
+          <a:p>
+            <a:endParaRPr lang="en-US" dirty="0" smtClean="0"/>
+          </a:p>
+          <a:p>
+            <a:endParaRPr lang="en-US" dirty="0"/>
+          </a:p>
+          <a:p>
+            <a:pPr marL="0" indent="0">
+              <a:buNone/>
+            </a:pPr>
+            <a:endParaRPr lang="en-US" sz="2400" dirty="0" smtClean="0"/>
+          </a:p>
+          <a:p>
+            <a:endParaRPr lang="en-US" sz="100" dirty="0" smtClean="0"/>
+          </a:p>
+          <a:p>
+            <a:r>
+              <a:rPr lang="en-US" dirty="0" smtClean="0"/>
+              <a:t>Record 3 with account rule: </a:t>
+            </a:r>
+            <a:endParaRPr lang="en-US" dirty="0"/>
+          </a:p>
+        </p:txBody>
+      </p:sp>
+      <p:pic>
+        <p:nvPicPr>
+          <p:cNvPr id="4" name="Picture 3"/>
+          <p:cNvPicPr>
+            <a:picLocks noChangeAspect="1"/>
+          </p:cNvPicPr>
+          <p:nvPr/>
+        </p:nvPicPr>
+        <p:blipFill rotWithShape="1">
+          <a:blip r:embed="rId2"/>
+          <a:srcRect l="3015" t="39443" r="24668" b="31569"/>
+          <a:stretch/>
+        </p:blipFill>
+        <p:spPr>
+          <a:xfrm>
+            <a:off x="2930354" y="1825625"/>
+            <a:ext cx="6412542" cy="2160963"/>
+          </a:xfrm>
+          <a:prstGeom prst="rect">
+            <a:avLst/>
+          </a:prstGeom>
+        </p:spPr>
+      </p:pic>
+      <p:pic>
+        <p:nvPicPr>
+          <p:cNvPr id="5" name="Picture 4"/>
+          <p:cNvPicPr>
+            <a:picLocks noChangeAspect="1"/>
+          </p:cNvPicPr>
+          <p:nvPr/>
+        </p:nvPicPr>
+        <p:blipFill rotWithShape="1">
+          <a:blip r:embed="rId3"/>
+          <a:srcRect l="2304" t="41372" r="26976" b="32157"/>
+          <a:stretch/>
+        </p:blipFill>
+        <p:spPr>
+          <a:xfrm>
+            <a:off x="2930354" y="4375523"/>
+            <a:ext cx="6412542" cy="2017934"/>
+          </a:xfrm>
+          <a:prstGeom prst="rect">
+            <a:avLst/>
+          </a:prstGeom>
+        </p:spPr>
+      </p:pic>
+    </p:spTree>
+    <p:extLst>
+      <p:ext uri="{BB962C8B-B14F-4D97-AF65-F5344CB8AC3E}">
+        <p14:creationId xmlns:p14="http://schemas.microsoft.com/office/powerpoint/2010/main" val="2369704590"/>
+      </p:ext>
+    </p:extLst>
+  </p:cSld>
+  <p:clrMapOvr>
+    <a:masterClrMapping/>
+  </p:clrMapOvr>
+  <p:timing>
+    <p:tnLst>
+      <p:par>
+        <p:cTn id="1" dur="indefinite" restart="never" nodeType="tmRoot"/>
+      </p:par>
+    </p:tnLst>
+  </p:timing>
+</p:sld>
+</file>
+
+<file path=ppt/slides/slide16.xml><?xml version="1.0" encoding="utf-8"?>
+<p:sld xmlns:a="http://schemas.openxmlformats.org/drawingml/2006/main" xmlns:r="http://schemas.openxmlformats.org/officeDocument/2006/relationships" xmlns:p="http://schemas.openxmlformats.org/presentationml/2006/main">
+  <p:cSld>
+    <p:spTree>
+      <p:nvGrpSpPr>
+        <p:cNvPr id="1" name=""/>
+        <p:cNvGrpSpPr/>
+        <p:nvPr/>
+      </p:nvGrpSpPr>
+      <p:grpSpPr>
+        <a:xfrm>
+          <a:off x="0" y="0"/>
+          <a:ext cx="0" cy="0"/>
+          <a:chOff x="0" y="0"/>
+          <a:chExt cx="0" cy="0"/>
+        </a:xfrm>
+      </p:grpSpPr>
+      <p:sp>
+        <p:nvSpPr>
+          <p:cNvPr id="2" name="Title 1"/>
+          <p:cNvSpPr>
+            <a:spLocks noGrp="1"/>
+          </p:cNvSpPr>
+          <p:nvPr>
+            <p:ph type="title"/>
+          </p:nvPr>
+        </p:nvSpPr>
+        <p:spPr/>
+        <p:txBody>
+          <a:bodyPr/>
+          <a:lstStyle/>
+          <a:p>
+            <a:r>
+              <a:rPr lang="en-US" dirty="0" smtClean="0"/>
+              <a:t>REST Web API</a:t>
+            </a:r>
+            <a:endParaRPr lang="en-US" dirty="0"/>
+          </a:p>
+        </p:txBody>
+      </p:sp>
+      <p:sp>
+        <p:nvSpPr>
+          <p:cNvPr id="3" name="Content Placeholder 2"/>
+          <p:cNvSpPr>
+            <a:spLocks noGrp="1"/>
+          </p:cNvSpPr>
+          <p:nvPr>
+            <p:ph idx="1"/>
+          </p:nvPr>
+        </p:nvSpPr>
+        <p:spPr/>
+        <p:txBody>
+          <a:bodyPr/>
+          <a:lstStyle/>
+          <a:p>
+            <a:endParaRPr lang="en-US" dirty="0"/>
+          </a:p>
+        </p:txBody>
+      </p:sp>
+    </p:spTree>
+    <p:extLst>
+      <p:ext uri="{BB962C8B-B14F-4D97-AF65-F5344CB8AC3E}">
+        <p14:creationId xmlns:p14="http://schemas.microsoft.com/office/powerpoint/2010/main" val="4235767520"/>
+      </p:ext>
+    </p:extLst>
+  </p:cSld>
+  <p:clrMapOvr>
+    <a:masterClrMapping/>
+  </p:clrMapOvr>
+</p:sld>
+</file>
+
 <file path=ppt/slides/slide2.xml><?xml version="1.0" encoding="utf-8"?>
 <p:sld xmlns:a="http://schemas.openxmlformats.org/drawingml/2006/main" xmlns:r="http://schemas.openxmlformats.org/officeDocument/2006/relationships" xmlns:p="http://schemas.openxmlformats.org/presentationml/2006/main">
   <p:cSld>
@@ -3097,7 +4194,11 @@
           <a:p>
             <a:r>
               <a:rPr lang="en-US" dirty="0" smtClean="0"/>
-              <a:t>REST API.</a:t>
+              <a:t>REST Web </a:t>
+            </a:r>
+            <a:r>
+              <a:rPr lang="en-US" dirty="0" smtClean="0"/>
+              <a:t>API.</a:t>
             </a:r>
             <a:endParaRPr lang="en-US" dirty="0"/>
           </a:p>
@@ -3771,6 +4872,13 @@
   <p:clrMapOvr>
     <a:masterClrMapping/>
   </p:clrMapOvr>
+  <p:timing>
+    <p:tnLst>
+      <p:par>
+        <p:cTn id="1" dur="indefinite" restart="never" nodeType="tmRoot"/>
+      </p:par>
+    </p:tnLst>
+  </p:timing>
 </p:sld>
 </file>
 
@@ -3808,7 +4916,11 @@
           <a:p>
             <a:r>
               <a:rPr lang="en-US" dirty="0" smtClean="0"/>
-              <a:t>Scheduled workflow</a:t>
+              <a:t>Scheduled </a:t>
+            </a:r>
+            <a:r>
+              <a:rPr lang="en-US" dirty="0" smtClean="0"/>
+              <a:t>Workflow</a:t>
             </a:r>
             <a:endParaRPr lang="en-US" dirty="0"/>
           </a:p>
@@ -4171,7 +5283,7 @@
             <a:pPr algn="ctr"/>
             <a:r>
               <a:rPr lang="en-US" dirty="0" smtClean="0"/>
-              <a:t>Start workflow</a:t>
+              <a:t>Start this workflow</a:t>
             </a:r>
             <a:endParaRPr lang="en-US" dirty="0"/>
           </a:p>
@@ -4243,6 +5355,972 @@
   <p:clrMapOvr>
     <a:masterClrMapping/>
   </p:clrMapOvr>
+</p:sld>
+</file>
+
+<file path=ppt/slides/slide7.xml><?xml version="1.0" encoding="utf-8"?>
+<p:sld xmlns:a="http://schemas.openxmlformats.org/drawingml/2006/main" xmlns:r="http://schemas.openxmlformats.org/officeDocument/2006/relationships" xmlns:p="http://schemas.openxmlformats.org/presentationml/2006/main">
+  <p:cSld>
+    <p:spTree>
+      <p:nvGrpSpPr>
+        <p:cNvPr id="1" name=""/>
+        <p:cNvGrpSpPr/>
+        <p:nvPr/>
+      </p:nvGrpSpPr>
+      <p:grpSpPr>
+        <a:xfrm>
+          <a:off x="0" y="0"/>
+          <a:ext cx="0" cy="0"/>
+          <a:chOff x="0" y="0"/>
+          <a:chExt cx="0" cy="0"/>
+        </a:xfrm>
+      </p:grpSpPr>
+      <p:sp>
+        <p:nvSpPr>
+          <p:cNvPr id="2" name="Title 1"/>
+          <p:cNvSpPr>
+            <a:spLocks noGrp="1"/>
+          </p:cNvSpPr>
+          <p:nvPr>
+            <p:ph type="title"/>
+          </p:nvPr>
+        </p:nvSpPr>
+        <p:spPr/>
+        <p:txBody>
+          <a:bodyPr/>
+          <a:lstStyle/>
+          <a:p>
+            <a:r>
+              <a:rPr lang="en-US" dirty="0"/>
+              <a:t>Scheduled </a:t>
+            </a:r>
+            <a:r>
+              <a:rPr lang="en-US" dirty="0" smtClean="0"/>
+              <a:t>Workflow</a:t>
+            </a:r>
+            <a:endParaRPr lang="en-US" dirty="0"/>
+          </a:p>
+        </p:txBody>
+      </p:sp>
+      <p:sp>
+        <p:nvSpPr>
+          <p:cNvPr id="3" name="Content Placeholder 2"/>
+          <p:cNvSpPr>
+            <a:spLocks noGrp="1"/>
+          </p:cNvSpPr>
+          <p:nvPr>
+            <p:ph idx="1"/>
+          </p:nvPr>
+        </p:nvSpPr>
+        <p:spPr/>
+        <p:txBody>
+          <a:bodyPr/>
+          <a:lstStyle/>
+          <a:p>
+            <a:endParaRPr lang="en-US" dirty="0"/>
+          </a:p>
+        </p:txBody>
+      </p:sp>
+      <p:pic>
+        <p:nvPicPr>
+          <p:cNvPr id="4" name="Picture 3"/>
+          <p:cNvPicPr>
+            <a:picLocks noChangeAspect="1"/>
+          </p:cNvPicPr>
+          <p:nvPr/>
+        </p:nvPicPr>
+        <p:blipFill rotWithShape="1">
+          <a:blip r:embed="rId2"/>
+          <a:srcRect t="15054" b="25687"/>
+          <a:stretch/>
+        </p:blipFill>
+        <p:spPr>
+          <a:xfrm>
+            <a:off x="1055920" y="1490322"/>
+            <a:ext cx="10080160" cy="5021943"/>
+          </a:xfrm>
+          <a:prstGeom prst="rect">
+            <a:avLst/>
+          </a:prstGeom>
+        </p:spPr>
+      </p:pic>
+      <p:sp>
+        <p:nvSpPr>
+          <p:cNvPr id="5" name="Rectangle 4"/>
+          <p:cNvSpPr/>
+          <p:nvPr/>
+        </p:nvSpPr>
+        <p:spPr>
+          <a:xfrm>
+            <a:off x="2714171" y="3120571"/>
+            <a:ext cx="1654628" cy="435428"/>
+          </a:xfrm>
+          <a:prstGeom prst="rect">
+            <a:avLst/>
+          </a:prstGeom>
+          <a:noFill/>
+          <a:ln w="76200">
+            <a:solidFill>
+              <a:srgbClr val="00B050"/>
+            </a:solidFill>
+          </a:ln>
+        </p:spPr>
+        <p:style>
+          <a:lnRef idx="2">
+            <a:schemeClr val="accent1">
+              <a:shade val="50000"/>
+            </a:schemeClr>
+          </a:lnRef>
+          <a:fillRef idx="1">
+            <a:schemeClr val="accent1"/>
+          </a:fillRef>
+          <a:effectRef idx="0">
+            <a:schemeClr val="accent1"/>
+          </a:effectRef>
+          <a:fontRef idx="minor">
+            <a:schemeClr val="lt1"/>
+          </a:fontRef>
+        </p:style>
+        <p:txBody>
+          <a:bodyPr rtlCol="0" anchor="ctr"/>
+          <a:lstStyle/>
+          <a:p>
+            <a:pPr algn="ctr"/>
+            <a:endParaRPr lang="en-US"/>
+          </a:p>
+        </p:txBody>
+      </p:sp>
+      <p:sp>
+        <p:nvSpPr>
+          <p:cNvPr id="7" name="Rectangle 6"/>
+          <p:cNvSpPr/>
+          <p:nvPr/>
+        </p:nvSpPr>
+        <p:spPr>
+          <a:xfrm>
+            <a:off x="6843485" y="2438399"/>
+            <a:ext cx="3040744" cy="304801"/>
+          </a:xfrm>
+          <a:prstGeom prst="rect">
+            <a:avLst/>
+          </a:prstGeom>
+          <a:noFill/>
+          <a:ln w="76200">
+            <a:solidFill>
+              <a:srgbClr val="00B050"/>
+            </a:solidFill>
+          </a:ln>
+        </p:spPr>
+        <p:style>
+          <a:lnRef idx="2">
+            <a:schemeClr val="accent1">
+              <a:shade val="50000"/>
+            </a:schemeClr>
+          </a:lnRef>
+          <a:fillRef idx="1">
+            <a:schemeClr val="accent1"/>
+          </a:fillRef>
+          <a:effectRef idx="0">
+            <a:schemeClr val="accent1"/>
+          </a:effectRef>
+          <a:fontRef idx="minor">
+            <a:schemeClr val="lt1"/>
+          </a:fontRef>
+        </p:style>
+        <p:txBody>
+          <a:bodyPr rtlCol="0" anchor="ctr"/>
+          <a:lstStyle/>
+          <a:p>
+            <a:pPr algn="ctr"/>
+            <a:endParaRPr lang="en-US"/>
+          </a:p>
+        </p:txBody>
+      </p:sp>
+      <p:sp>
+        <p:nvSpPr>
+          <p:cNvPr id="8" name="Rectangle 7"/>
+          <p:cNvSpPr/>
+          <p:nvPr/>
+        </p:nvSpPr>
+        <p:spPr>
+          <a:xfrm>
+            <a:off x="2670627" y="4850944"/>
+            <a:ext cx="8244116" cy="1796257"/>
+          </a:xfrm>
+          <a:prstGeom prst="rect">
+            <a:avLst/>
+          </a:prstGeom>
+          <a:noFill/>
+          <a:ln w="76200">
+            <a:solidFill>
+              <a:srgbClr val="00B050"/>
+            </a:solidFill>
+          </a:ln>
+        </p:spPr>
+        <p:style>
+          <a:lnRef idx="2">
+            <a:schemeClr val="accent1">
+              <a:shade val="50000"/>
+            </a:schemeClr>
+          </a:lnRef>
+          <a:fillRef idx="1">
+            <a:schemeClr val="accent1"/>
+          </a:fillRef>
+          <a:effectRef idx="0">
+            <a:schemeClr val="accent1"/>
+          </a:effectRef>
+          <a:fontRef idx="minor">
+            <a:schemeClr val="lt1"/>
+          </a:fontRef>
+        </p:style>
+        <p:txBody>
+          <a:bodyPr rtlCol="0" anchor="ctr"/>
+          <a:lstStyle/>
+          <a:p>
+            <a:pPr algn="ctr"/>
+            <a:endParaRPr lang="en-US"/>
+          </a:p>
+        </p:txBody>
+      </p:sp>
+      <p:pic>
+        <p:nvPicPr>
+          <p:cNvPr id="9" name="Picture 8"/>
+          <p:cNvPicPr>
+            <a:picLocks noChangeAspect="1"/>
+          </p:cNvPicPr>
+          <p:nvPr/>
+        </p:nvPicPr>
+        <p:blipFill rotWithShape="1">
+          <a:blip r:embed="rId3"/>
+          <a:srcRect r="27384"/>
+          <a:stretch/>
+        </p:blipFill>
+        <p:spPr>
+          <a:xfrm>
+            <a:off x="6384925" y="517185"/>
+            <a:ext cx="5464175" cy="838200"/>
+          </a:xfrm>
+          <a:prstGeom prst="rect">
+            <a:avLst/>
+          </a:prstGeom>
+        </p:spPr>
+      </p:pic>
+      <p:sp>
+        <p:nvSpPr>
+          <p:cNvPr id="10" name="Rounded Rectangle 9"/>
+          <p:cNvSpPr/>
+          <p:nvPr/>
+        </p:nvSpPr>
+        <p:spPr>
+          <a:xfrm>
+            <a:off x="2857500" y="5257800"/>
+            <a:ext cx="7886700" cy="491272"/>
+          </a:xfrm>
+          <a:prstGeom prst="roundRect">
+            <a:avLst>
+              <a:gd name="adj" fmla="val 0"/>
+            </a:avLst>
+          </a:prstGeom>
+          <a:noFill/>
+          <a:ln w="57150">
+            <a:solidFill>
+              <a:srgbClr val="FFC000"/>
+            </a:solidFill>
+          </a:ln>
+        </p:spPr>
+        <p:style>
+          <a:lnRef idx="2">
+            <a:schemeClr val="accent1">
+              <a:shade val="50000"/>
+            </a:schemeClr>
+          </a:lnRef>
+          <a:fillRef idx="1">
+            <a:schemeClr val="accent1"/>
+          </a:fillRef>
+          <a:effectRef idx="0">
+            <a:schemeClr val="accent1"/>
+          </a:effectRef>
+          <a:fontRef idx="minor">
+            <a:schemeClr val="lt1"/>
+          </a:fontRef>
+        </p:style>
+        <p:txBody>
+          <a:bodyPr rtlCol="0" anchor="ctr"/>
+          <a:lstStyle/>
+          <a:p>
+            <a:pPr algn="ctr"/>
+            <a:endParaRPr lang="en-US"/>
+          </a:p>
+        </p:txBody>
+      </p:sp>
+      <p:sp>
+        <p:nvSpPr>
+          <p:cNvPr id="12" name="Rounded Rectangle 11"/>
+          <p:cNvSpPr/>
+          <p:nvPr/>
+        </p:nvSpPr>
+        <p:spPr>
+          <a:xfrm>
+            <a:off x="6384924" y="466645"/>
+            <a:ext cx="5553075" cy="914140"/>
+          </a:xfrm>
+          <a:prstGeom prst="roundRect">
+            <a:avLst>
+              <a:gd name="adj" fmla="val 0"/>
+            </a:avLst>
+          </a:prstGeom>
+          <a:noFill/>
+          <a:ln w="57150">
+            <a:solidFill>
+              <a:srgbClr val="FFC000"/>
+            </a:solidFill>
+          </a:ln>
+        </p:spPr>
+        <p:style>
+          <a:lnRef idx="2">
+            <a:schemeClr val="accent1">
+              <a:shade val="50000"/>
+            </a:schemeClr>
+          </a:lnRef>
+          <a:fillRef idx="1">
+            <a:schemeClr val="accent1"/>
+          </a:fillRef>
+          <a:effectRef idx="0">
+            <a:schemeClr val="accent1"/>
+          </a:effectRef>
+          <a:fontRef idx="minor">
+            <a:schemeClr val="lt1"/>
+          </a:fontRef>
+        </p:style>
+        <p:txBody>
+          <a:bodyPr rtlCol="0" anchor="ctr"/>
+          <a:lstStyle/>
+          <a:p>
+            <a:pPr algn="ctr"/>
+            <a:endParaRPr lang="en-US"/>
+          </a:p>
+        </p:txBody>
+      </p:sp>
+      <p:cxnSp>
+        <p:nvCxnSpPr>
+          <p:cNvPr id="14" name="Straight Arrow Connector 13"/>
+          <p:cNvCxnSpPr/>
+          <p:nvPr/>
+        </p:nvCxnSpPr>
+        <p:spPr>
+          <a:xfrm flipV="1">
+            <a:off x="9194800" y="1490322"/>
+            <a:ext cx="1549400" cy="3678578"/>
+          </a:xfrm>
+          <a:prstGeom prst="straightConnector1">
+            <a:avLst/>
+          </a:prstGeom>
+          <a:ln w="57150">
+            <a:solidFill>
+              <a:srgbClr val="FFC000"/>
+            </a:solidFill>
+            <a:tailEnd type="triangle"/>
+          </a:ln>
+        </p:spPr>
+        <p:style>
+          <a:lnRef idx="1">
+            <a:schemeClr val="accent1"/>
+          </a:lnRef>
+          <a:fillRef idx="0">
+            <a:schemeClr val="accent1"/>
+          </a:fillRef>
+          <a:effectRef idx="0">
+            <a:schemeClr val="accent1"/>
+          </a:effectRef>
+          <a:fontRef idx="minor">
+            <a:schemeClr val="tx1"/>
+          </a:fontRef>
+        </p:style>
+      </p:cxnSp>
+    </p:spTree>
+    <p:extLst>
+      <p:ext uri="{BB962C8B-B14F-4D97-AF65-F5344CB8AC3E}">
+        <p14:creationId xmlns:p14="http://schemas.microsoft.com/office/powerpoint/2010/main" val="4065365774"/>
+      </p:ext>
+    </p:extLst>
+  </p:cSld>
+  <p:clrMapOvr>
+    <a:masterClrMapping/>
+  </p:clrMapOvr>
+  <p:timing>
+    <p:tnLst>
+      <p:par>
+        <p:cTn id="1" dur="indefinite" restart="never" nodeType="tmRoot"/>
+      </p:par>
+    </p:tnLst>
+  </p:timing>
+</p:sld>
+</file>
+
+<file path=ppt/slides/slide8.xml><?xml version="1.0" encoding="utf-8"?>
+<p:sld xmlns:a="http://schemas.openxmlformats.org/drawingml/2006/main" xmlns:r="http://schemas.openxmlformats.org/officeDocument/2006/relationships" xmlns:p="http://schemas.openxmlformats.org/presentationml/2006/main">
+  <p:cSld>
+    <p:spTree>
+      <p:nvGrpSpPr>
+        <p:cNvPr id="1" name=""/>
+        <p:cNvGrpSpPr/>
+        <p:nvPr/>
+      </p:nvGrpSpPr>
+      <p:grpSpPr>
+        <a:xfrm>
+          <a:off x="0" y="0"/>
+          <a:ext cx="0" cy="0"/>
+          <a:chOff x="0" y="0"/>
+          <a:chExt cx="0" cy="0"/>
+        </a:xfrm>
+      </p:grpSpPr>
+      <p:sp>
+        <p:nvSpPr>
+          <p:cNvPr id="2" name="Title 1"/>
+          <p:cNvSpPr>
+            <a:spLocks noGrp="1"/>
+          </p:cNvSpPr>
+          <p:nvPr>
+            <p:ph type="title"/>
+          </p:nvPr>
+        </p:nvSpPr>
+        <p:spPr/>
+        <p:txBody>
+          <a:bodyPr/>
+          <a:lstStyle/>
+          <a:p>
+            <a:r>
+              <a:rPr lang="en-US" dirty="0" smtClean="0"/>
+              <a:t>Scheduled Workflow</a:t>
+            </a:r>
+            <a:endParaRPr lang="en-US" dirty="0"/>
+          </a:p>
+        </p:txBody>
+      </p:sp>
+      <p:sp>
+        <p:nvSpPr>
+          <p:cNvPr id="3" name="Content Placeholder 2"/>
+          <p:cNvSpPr>
+            <a:spLocks noGrp="1"/>
+          </p:cNvSpPr>
+          <p:nvPr>
+            <p:ph idx="1"/>
+          </p:nvPr>
+        </p:nvSpPr>
+        <p:spPr/>
+        <p:txBody>
+          <a:bodyPr/>
+          <a:lstStyle/>
+          <a:p>
+            <a:r>
+              <a:rPr lang="en-US" dirty="0" smtClean="0"/>
+              <a:t>Result:</a:t>
+            </a:r>
+            <a:endParaRPr lang="en-US" dirty="0"/>
+          </a:p>
+        </p:txBody>
+      </p:sp>
+      <p:pic>
+        <p:nvPicPr>
+          <p:cNvPr id="4" name="Picture 3"/>
+          <p:cNvPicPr>
+            <a:picLocks noChangeAspect="1"/>
+          </p:cNvPicPr>
+          <p:nvPr/>
+        </p:nvPicPr>
+        <p:blipFill rotWithShape="1">
+          <a:blip r:embed="rId2"/>
+          <a:srcRect t="28063" r="51912" b="35514"/>
+          <a:stretch/>
+        </p:blipFill>
+        <p:spPr>
+          <a:xfrm>
+            <a:off x="2747681" y="1825625"/>
+            <a:ext cx="8809067" cy="3555953"/>
+          </a:xfrm>
+          <a:prstGeom prst="rect">
+            <a:avLst/>
+          </a:prstGeom>
+        </p:spPr>
+      </p:pic>
+    </p:spTree>
+    <p:extLst>
+      <p:ext uri="{BB962C8B-B14F-4D97-AF65-F5344CB8AC3E}">
+        <p14:creationId xmlns:p14="http://schemas.microsoft.com/office/powerpoint/2010/main" val="2121140536"/>
+      </p:ext>
+    </p:extLst>
+  </p:cSld>
+  <p:clrMapOvr>
+    <a:masterClrMapping/>
+  </p:clrMapOvr>
+</p:sld>
+</file>
+
+<file path=ppt/slides/slide9.xml><?xml version="1.0" encoding="utf-8"?>
+<p:sld xmlns:a="http://schemas.openxmlformats.org/drawingml/2006/main" xmlns:r="http://schemas.openxmlformats.org/officeDocument/2006/relationships" xmlns:p="http://schemas.openxmlformats.org/presentationml/2006/main">
+  <p:cSld>
+    <p:spTree>
+      <p:nvGrpSpPr>
+        <p:cNvPr id="1" name=""/>
+        <p:cNvGrpSpPr/>
+        <p:nvPr/>
+      </p:nvGrpSpPr>
+      <p:grpSpPr>
+        <a:xfrm>
+          <a:off x="0" y="0"/>
+          <a:ext cx="0" cy="0"/>
+          <a:chOff x="0" y="0"/>
+          <a:chExt cx="0" cy="0"/>
+        </a:xfrm>
+      </p:grpSpPr>
+      <p:sp>
+        <p:nvSpPr>
+          <p:cNvPr id="2" name="Title 1"/>
+          <p:cNvSpPr>
+            <a:spLocks noGrp="1"/>
+          </p:cNvSpPr>
+          <p:nvPr>
+            <p:ph type="title"/>
+          </p:nvPr>
+        </p:nvSpPr>
+        <p:spPr/>
+        <p:txBody>
+          <a:bodyPr/>
+          <a:lstStyle/>
+          <a:p>
+            <a:r>
+              <a:rPr lang="en-US" dirty="0" smtClean="0"/>
+              <a:t>Custom Workflow for Creating Account</a:t>
+            </a:r>
+            <a:endParaRPr lang="en-US" dirty="0"/>
+          </a:p>
+        </p:txBody>
+      </p:sp>
+      <p:sp>
+        <p:nvSpPr>
+          <p:cNvPr id="3" name="Content Placeholder 2"/>
+          <p:cNvSpPr>
+            <a:spLocks noGrp="1"/>
+          </p:cNvSpPr>
+          <p:nvPr>
+            <p:ph idx="1"/>
+          </p:nvPr>
+        </p:nvSpPr>
+        <p:spPr/>
+        <p:txBody>
+          <a:bodyPr/>
+          <a:lstStyle/>
+          <a:p>
+            <a:r>
+              <a:rPr lang="en-US" dirty="0" smtClean="0"/>
+              <a:t>Pass parameter to workflow:</a:t>
+            </a:r>
+          </a:p>
+          <a:p>
+            <a:pPr marL="0" indent="0">
+              <a:buNone/>
+            </a:pPr>
+            <a:endParaRPr lang="en-US" dirty="0" smtClean="0"/>
+          </a:p>
+          <a:p>
+            <a:r>
+              <a:rPr lang="en-US" dirty="0" smtClean="0"/>
+              <a:t>In custom workflow:</a:t>
+            </a:r>
+          </a:p>
+          <a:p>
+            <a:endParaRPr lang="en-US" dirty="0"/>
+          </a:p>
+          <a:p>
+            <a:endParaRPr lang="en-US" dirty="0" smtClean="0"/>
+          </a:p>
+          <a:p>
+            <a:r>
+              <a:rPr lang="en-US" dirty="0" smtClean="0"/>
+              <a:t>Result:</a:t>
+            </a:r>
+            <a:endParaRPr lang="en-US" dirty="0"/>
+          </a:p>
+        </p:txBody>
+      </p:sp>
+      <p:pic>
+        <p:nvPicPr>
+          <p:cNvPr id="4" name="Picture 3"/>
+          <p:cNvPicPr>
+            <a:picLocks noChangeAspect="1"/>
+          </p:cNvPicPr>
+          <p:nvPr/>
+        </p:nvPicPr>
+        <p:blipFill rotWithShape="1">
+          <a:blip r:embed="rId2"/>
+          <a:srcRect t="10682" r="45952" b="76058"/>
+          <a:stretch/>
+        </p:blipFill>
+        <p:spPr>
+          <a:xfrm>
+            <a:off x="5421776" y="1474788"/>
+            <a:ext cx="5932024" cy="1230312"/>
+          </a:xfrm>
+          <a:prstGeom prst="rect">
+            <a:avLst/>
+          </a:prstGeom>
+        </p:spPr>
+      </p:pic>
+      <p:pic>
+        <p:nvPicPr>
+          <p:cNvPr id="5" name="Picture 4"/>
+          <p:cNvPicPr>
+            <a:picLocks noChangeAspect="1"/>
+          </p:cNvPicPr>
+          <p:nvPr/>
+        </p:nvPicPr>
+        <p:blipFill rotWithShape="1">
+          <a:blip r:embed="rId3"/>
+          <a:srcRect l="12084" t="33071" r="53125" b="54810"/>
+          <a:stretch/>
+        </p:blipFill>
+        <p:spPr>
+          <a:xfrm>
+            <a:off x="5421776" y="2658008"/>
+            <a:ext cx="5932024" cy="1118916"/>
+          </a:xfrm>
+          <a:prstGeom prst="rect">
+            <a:avLst/>
+          </a:prstGeom>
+        </p:spPr>
+      </p:pic>
+      <p:pic>
+        <p:nvPicPr>
+          <p:cNvPr id="7" name="Picture 6"/>
+          <p:cNvPicPr>
+            <a:picLocks noChangeAspect="1"/>
+          </p:cNvPicPr>
+          <p:nvPr/>
+        </p:nvPicPr>
+        <p:blipFill rotWithShape="1">
+          <a:blip r:embed="rId4"/>
+          <a:srcRect l="2206" t="26408" r="30294" b="24337"/>
+          <a:stretch/>
+        </p:blipFill>
+        <p:spPr>
+          <a:xfrm>
+            <a:off x="4132729" y="3814763"/>
+            <a:ext cx="7221071" cy="2808195"/>
+          </a:xfrm>
+          <a:prstGeom prst="rect">
+            <a:avLst/>
+          </a:prstGeom>
+        </p:spPr>
+      </p:pic>
+      <p:cxnSp>
+        <p:nvCxnSpPr>
+          <p:cNvPr id="9" name="Straight Connector 8"/>
+          <p:cNvCxnSpPr/>
+          <p:nvPr/>
+        </p:nvCxnSpPr>
+        <p:spPr>
+          <a:xfrm flipV="1">
+            <a:off x="4746812" y="5419165"/>
+            <a:ext cx="2205318" cy="13447"/>
+          </a:xfrm>
+          <a:prstGeom prst="line">
+            <a:avLst/>
+          </a:prstGeom>
+          <a:ln w="38100">
+            <a:solidFill>
+              <a:srgbClr val="00B050"/>
+            </a:solidFill>
+          </a:ln>
+        </p:spPr>
+        <p:style>
+          <a:lnRef idx="1">
+            <a:schemeClr val="accent1"/>
+          </a:lnRef>
+          <a:fillRef idx="0">
+            <a:schemeClr val="accent1"/>
+          </a:fillRef>
+          <a:effectRef idx="0">
+            <a:schemeClr val="accent1"/>
+          </a:effectRef>
+          <a:fontRef idx="minor">
+            <a:schemeClr val="tx1"/>
+          </a:fontRef>
+        </p:style>
+      </p:cxnSp>
+      <p:cxnSp>
+        <p:nvCxnSpPr>
+          <p:cNvPr id="10" name="Straight Connector 9"/>
+          <p:cNvCxnSpPr/>
+          <p:nvPr/>
+        </p:nvCxnSpPr>
+        <p:spPr>
+          <a:xfrm flipV="1">
+            <a:off x="4737848" y="6015316"/>
+            <a:ext cx="2205318" cy="13447"/>
+          </a:xfrm>
+          <a:prstGeom prst="line">
+            <a:avLst/>
+          </a:prstGeom>
+          <a:ln w="38100">
+            <a:solidFill>
+              <a:srgbClr val="00B050"/>
+            </a:solidFill>
+          </a:ln>
+        </p:spPr>
+        <p:style>
+          <a:lnRef idx="1">
+            <a:schemeClr val="accent1"/>
+          </a:lnRef>
+          <a:fillRef idx="0">
+            <a:schemeClr val="accent1"/>
+          </a:fillRef>
+          <a:effectRef idx="0">
+            <a:schemeClr val="accent1"/>
+          </a:effectRef>
+          <a:fontRef idx="minor">
+            <a:schemeClr val="tx1"/>
+          </a:fontRef>
+        </p:style>
+      </p:cxnSp>
+      <p:cxnSp>
+        <p:nvCxnSpPr>
+          <p:cNvPr id="11" name="Straight Connector 10"/>
+          <p:cNvCxnSpPr/>
+          <p:nvPr/>
+        </p:nvCxnSpPr>
+        <p:spPr>
+          <a:xfrm flipV="1">
+            <a:off x="4737848" y="5706035"/>
+            <a:ext cx="2205318" cy="13447"/>
+          </a:xfrm>
+          <a:prstGeom prst="line">
+            <a:avLst/>
+          </a:prstGeom>
+          <a:ln w="38100">
+            <a:solidFill>
+              <a:schemeClr val="accent2">
+                <a:lumMod val="75000"/>
+              </a:schemeClr>
+            </a:solidFill>
+          </a:ln>
+        </p:spPr>
+        <p:style>
+          <a:lnRef idx="1">
+            <a:schemeClr val="accent1"/>
+          </a:lnRef>
+          <a:fillRef idx="0">
+            <a:schemeClr val="accent1"/>
+          </a:fillRef>
+          <a:effectRef idx="0">
+            <a:schemeClr val="accent1"/>
+          </a:effectRef>
+          <a:fontRef idx="minor">
+            <a:schemeClr val="tx1"/>
+          </a:fontRef>
+        </p:style>
+      </p:cxnSp>
+      <p:cxnSp>
+        <p:nvCxnSpPr>
+          <p:cNvPr id="12" name="Straight Connector 11"/>
+          <p:cNvCxnSpPr/>
+          <p:nvPr/>
+        </p:nvCxnSpPr>
+        <p:spPr>
+          <a:xfrm flipV="1">
+            <a:off x="4728884" y="6288739"/>
+            <a:ext cx="2205318" cy="13447"/>
+          </a:xfrm>
+          <a:prstGeom prst="line">
+            <a:avLst/>
+          </a:prstGeom>
+          <a:ln w="38100">
+            <a:solidFill>
+              <a:schemeClr val="accent2">
+                <a:lumMod val="75000"/>
+              </a:schemeClr>
+            </a:solidFill>
+          </a:ln>
+        </p:spPr>
+        <p:style>
+          <a:lnRef idx="1">
+            <a:schemeClr val="accent1"/>
+          </a:lnRef>
+          <a:fillRef idx="0">
+            <a:schemeClr val="accent1"/>
+          </a:fillRef>
+          <a:effectRef idx="0">
+            <a:schemeClr val="accent1"/>
+          </a:effectRef>
+          <a:fontRef idx="minor">
+            <a:schemeClr val="tx1"/>
+          </a:fontRef>
+        </p:style>
+      </p:cxnSp>
+      <p:sp>
+        <p:nvSpPr>
+          <p:cNvPr id="13" name="Right Brace 12"/>
+          <p:cNvSpPr/>
+          <p:nvPr/>
+        </p:nvSpPr>
+        <p:spPr>
+          <a:xfrm>
+            <a:off x="7109013" y="5419165"/>
+            <a:ext cx="488574" cy="596151"/>
+          </a:xfrm>
+          <a:prstGeom prst="rightBrace">
+            <a:avLst/>
+          </a:prstGeom>
+          <a:ln w="38100">
+            <a:solidFill>
+              <a:srgbClr val="00B050"/>
+            </a:solidFill>
+          </a:ln>
+        </p:spPr>
+        <p:style>
+          <a:lnRef idx="1">
+            <a:schemeClr val="accent1"/>
+          </a:lnRef>
+          <a:fillRef idx="0">
+            <a:schemeClr val="accent1"/>
+          </a:fillRef>
+          <a:effectRef idx="0">
+            <a:schemeClr val="accent1"/>
+          </a:effectRef>
+          <a:fontRef idx="minor">
+            <a:schemeClr val="tx1"/>
+          </a:fontRef>
+        </p:style>
+        <p:txBody>
+          <a:bodyPr rtlCol="0" anchor="ctr"/>
+          <a:lstStyle/>
+          <a:p>
+            <a:pPr algn="ctr"/>
+            <a:endParaRPr lang="en-US"/>
+          </a:p>
+        </p:txBody>
+      </p:sp>
+      <p:sp>
+        <p:nvSpPr>
+          <p:cNvPr id="14" name="TextBox 13"/>
+          <p:cNvSpPr txBox="1"/>
+          <p:nvPr/>
+        </p:nvSpPr>
+        <p:spPr>
+          <a:xfrm>
+            <a:off x="7793330" y="5521369"/>
+            <a:ext cx="2843471" cy="369332"/>
+          </a:xfrm>
+          <a:prstGeom prst="rect">
+            <a:avLst/>
+          </a:prstGeom>
+          <a:noFill/>
+        </p:spPr>
+        <p:txBody>
+          <a:bodyPr wrap="none" rtlCol="0">
+            <a:spAutoFit/>
+          </a:bodyPr>
+          <a:lstStyle/>
+          <a:p>
+            <a:r>
+              <a:rPr lang="en-US" dirty="0" smtClean="0"/>
+              <a:t>First run: 2 accounts created</a:t>
+            </a:r>
+            <a:endParaRPr lang="en-US" dirty="0"/>
+          </a:p>
+        </p:txBody>
+      </p:sp>
+      <p:sp>
+        <p:nvSpPr>
+          <p:cNvPr id="16" name="TextBox 15"/>
+          <p:cNvSpPr txBox="1"/>
+          <p:nvPr/>
+        </p:nvSpPr>
+        <p:spPr>
+          <a:xfrm>
+            <a:off x="922796" y="5834525"/>
+            <a:ext cx="3127010" cy="369332"/>
+          </a:xfrm>
+          <a:prstGeom prst="rect">
+            <a:avLst/>
+          </a:prstGeom>
+          <a:noFill/>
+        </p:spPr>
+        <p:txBody>
+          <a:bodyPr wrap="none" rtlCol="0">
+            <a:spAutoFit/>
+          </a:bodyPr>
+          <a:lstStyle/>
+          <a:p>
+            <a:r>
+              <a:rPr lang="en-US" dirty="0" smtClean="0"/>
+              <a:t>Second run: 2 accounts created</a:t>
+            </a:r>
+            <a:endParaRPr lang="en-US" dirty="0"/>
+          </a:p>
+        </p:txBody>
+      </p:sp>
+      <p:sp>
+        <p:nvSpPr>
+          <p:cNvPr id="17" name="Left Brace 16"/>
+          <p:cNvSpPr/>
+          <p:nvPr/>
+        </p:nvSpPr>
+        <p:spPr>
+          <a:xfrm>
+            <a:off x="4199136" y="5719482"/>
+            <a:ext cx="342969" cy="605865"/>
+          </a:xfrm>
+          <a:prstGeom prst="leftBrace">
+            <a:avLst/>
+          </a:prstGeom>
+          <a:ln w="38100">
+            <a:solidFill>
+              <a:schemeClr val="accent2">
+                <a:lumMod val="75000"/>
+              </a:schemeClr>
+            </a:solidFill>
+          </a:ln>
+        </p:spPr>
+        <p:style>
+          <a:lnRef idx="1">
+            <a:schemeClr val="accent1"/>
+          </a:lnRef>
+          <a:fillRef idx="0">
+            <a:schemeClr val="accent1"/>
+          </a:fillRef>
+          <a:effectRef idx="0">
+            <a:schemeClr val="accent1"/>
+          </a:effectRef>
+          <a:fontRef idx="minor">
+            <a:schemeClr val="tx1"/>
+          </a:fontRef>
+        </p:style>
+        <p:txBody>
+          <a:bodyPr rtlCol="0" anchor="ctr"/>
+          <a:lstStyle/>
+          <a:p>
+            <a:pPr algn="ctr"/>
+            <a:endParaRPr lang="en-US"/>
+          </a:p>
+        </p:txBody>
+      </p:sp>
+    </p:spTree>
+    <p:extLst>
+      <p:ext uri="{BB962C8B-B14F-4D97-AF65-F5344CB8AC3E}">
+        <p14:creationId xmlns:p14="http://schemas.microsoft.com/office/powerpoint/2010/main" val="1886394679"/>
+      </p:ext>
+    </p:extLst>
+  </p:cSld>
+  <p:clrMapOvr>
+    <a:masterClrMapping/>
+  </p:clrMapOvr>
+  <p:timing>
+    <p:tnLst>
+      <p:par>
+        <p:cTn id="1" dur="indefinite" restart="never" nodeType="tmRoot"/>
+      </p:par>
+    </p:tnLst>
+  </p:timing>
 </p:sld>
 </file>
 

--- a/Document/Report 3.pptx
+++ b/Document/Report 3.pptx
@@ -258,7 +258,7 @@
           <a:p>
             <a:fld id="{8C372256-F451-48B9-B29A-D681416A6B37}" type="datetimeFigureOut">
               <a:rPr lang="en-US" smtClean="0"/>
-              <a:t>Monday, 28-May-2018</a:t>
+              <a:t>Wednesday, 30-May-2018</a:t>
             </a:fld>
             <a:endParaRPr lang="en-US"/>
           </a:p>
@@ -428,7 +428,7 @@
           <a:p>
             <a:fld id="{8C372256-F451-48B9-B29A-D681416A6B37}" type="datetimeFigureOut">
               <a:rPr lang="en-US" smtClean="0"/>
-              <a:t>Monday, 28-May-2018</a:t>
+              <a:t>Wednesday, 30-May-2018</a:t>
             </a:fld>
             <a:endParaRPr lang="en-US"/>
           </a:p>
@@ -608,7 +608,7 @@
           <a:p>
             <a:fld id="{8C372256-F451-48B9-B29A-D681416A6B37}" type="datetimeFigureOut">
               <a:rPr lang="en-US" smtClean="0"/>
-              <a:t>Monday, 28-May-2018</a:t>
+              <a:t>Wednesday, 30-May-2018</a:t>
             </a:fld>
             <a:endParaRPr lang="en-US"/>
           </a:p>
@@ -778,7 +778,7 @@
           <a:p>
             <a:fld id="{8C372256-F451-48B9-B29A-D681416A6B37}" type="datetimeFigureOut">
               <a:rPr lang="en-US" smtClean="0"/>
-              <a:t>Monday, 28-May-2018</a:t>
+              <a:t>Wednesday, 30-May-2018</a:t>
             </a:fld>
             <a:endParaRPr lang="en-US"/>
           </a:p>
@@ -1024,7 +1024,7 @@
           <a:p>
             <a:fld id="{8C372256-F451-48B9-B29A-D681416A6B37}" type="datetimeFigureOut">
               <a:rPr lang="en-US" smtClean="0"/>
-              <a:t>Monday, 28-May-2018</a:t>
+              <a:t>Wednesday, 30-May-2018</a:t>
             </a:fld>
             <a:endParaRPr lang="en-US"/>
           </a:p>
@@ -1256,7 +1256,7 @@
           <a:p>
             <a:fld id="{8C372256-F451-48B9-B29A-D681416A6B37}" type="datetimeFigureOut">
               <a:rPr lang="en-US" smtClean="0"/>
-              <a:t>Monday, 28-May-2018</a:t>
+              <a:t>Wednesday, 30-May-2018</a:t>
             </a:fld>
             <a:endParaRPr lang="en-US"/>
           </a:p>
@@ -1623,7 +1623,7 @@
           <a:p>
             <a:fld id="{8C372256-F451-48B9-B29A-D681416A6B37}" type="datetimeFigureOut">
               <a:rPr lang="en-US" smtClean="0"/>
-              <a:t>Monday, 28-May-2018</a:t>
+              <a:t>Wednesday, 30-May-2018</a:t>
             </a:fld>
             <a:endParaRPr lang="en-US"/>
           </a:p>
@@ -1741,7 +1741,7 @@
           <a:p>
             <a:fld id="{8C372256-F451-48B9-B29A-D681416A6B37}" type="datetimeFigureOut">
               <a:rPr lang="en-US" smtClean="0"/>
-              <a:t>Monday, 28-May-2018</a:t>
+              <a:t>Wednesday, 30-May-2018</a:t>
             </a:fld>
             <a:endParaRPr lang="en-US"/>
           </a:p>
@@ -1836,7 +1836,7 @@
           <a:p>
             <a:fld id="{8C372256-F451-48B9-B29A-D681416A6B37}" type="datetimeFigureOut">
               <a:rPr lang="en-US" smtClean="0"/>
-              <a:t>Monday, 28-May-2018</a:t>
+              <a:t>Wednesday, 30-May-2018</a:t>
             </a:fld>
             <a:endParaRPr lang="en-US"/>
           </a:p>
@@ -2113,7 +2113,7 @@
           <a:p>
             <a:fld id="{8C372256-F451-48B9-B29A-D681416A6B37}" type="datetimeFigureOut">
               <a:rPr lang="en-US" smtClean="0"/>
-              <a:t>Monday, 28-May-2018</a:t>
+              <a:t>Wednesday, 30-May-2018</a:t>
             </a:fld>
             <a:endParaRPr lang="en-US"/>
           </a:p>
@@ -2366,7 +2366,7 @@
           <a:p>
             <a:fld id="{8C372256-F451-48B9-B29A-D681416A6B37}" type="datetimeFigureOut">
               <a:rPr lang="en-US" smtClean="0"/>
-              <a:t>Monday, 28-May-2018</a:t>
+              <a:t>Wednesday, 30-May-2018</a:t>
             </a:fld>
             <a:endParaRPr lang="en-US"/>
           </a:p>
@@ -2579,7 +2579,7 @@
           <a:p>
             <a:fld id="{8C372256-F451-48B9-B29A-D681416A6B37}" type="datetimeFigureOut">
               <a:rPr lang="en-US" smtClean="0"/>
-              <a:t>Monday, 28-May-2018</a:t>
+              <a:t>Wednesday, 30-May-2018</a:t>
             </a:fld>
             <a:endParaRPr lang="en-US"/>
           </a:p>
@@ -4108,6 +4108,10 @@
           <a:bodyPr/>
           <a:lstStyle/>
           <a:p>
+            <a:r>
+              <a:rPr lang="en-US" dirty="0" smtClean="0"/>
+              <a:t>Live demo.</a:t>
+            </a:r>
             <a:endParaRPr lang="en-US" dirty="0"/>
           </a:p>
         </p:txBody>
@@ -4194,11 +4198,7 @@
           <a:p>
             <a:r>
               <a:rPr lang="en-US" dirty="0" smtClean="0"/>
-              <a:t>REST Web </a:t>
-            </a:r>
-            <a:r>
-              <a:rPr lang="en-US" dirty="0" smtClean="0"/>
-              <a:t>API.</a:t>
+              <a:t>REST Web API.</a:t>
             </a:r>
             <a:endParaRPr lang="en-US" dirty="0"/>
           </a:p>
@@ -4916,11 +4916,7 @@
           <a:p>
             <a:r>
               <a:rPr lang="en-US" dirty="0" smtClean="0"/>
-              <a:t>Scheduled </a:t>
-            </a:r>
-            <a:r>
-              <a:rPr lang="en-US" dirty="0" smtClean="0"/>
-              <a:t>Workflow</a:t>
+              <a:t>Scheduled Workflow</a:t>
             </a:r>
             <a:endParaRPr lang="en-US" dirty="0"/>
           </a:p>
@@ -5835,8 +5831,8 @@
         </p:blipFill>
         <p:spPr>
           <a:xfrm>
-            <a:off x="2747681" y="1825625"/>
-            <a:ext cx="8809067" cy="3555953"/>
+            <a:off x="838200" y="2425023"/>
+            <a:ext cx="10128537" cy="4088583"/>
           </a:xfrm>
           <a:prstGeom prst="rect">
             <a:avLst/>

--- a/Document/Report 3.pptx
+++ b/Document/Report 3.pptx
@@ -258,7 +258,7 @@
           <a:p>
             <a:fld id="{8C372256-F451-48B9-B29A-D681416A6B37}" type="datetimeFigureOut">
               <a:rPr lang="en-US" smtClean="0"/>
-              <a:t>Wednesday, 30-May-2018</a:t>
+              <a:t>Monday, 04-June-2018</a:t>
             </a:fld>
             <a:endParaRPr lang="en-US"/>
           </a:p>
@@ -428,7 +428,7 @@
           <a:p>
             <a:fld id="{8C372256-F451-48B9-B29A-D681416A6B37}" type="datetimeFigureOut">
               <a:rPr lang="en-US" smtClean="0"/>
-              <a:t>Wednesday, 30-May-2018</a:t>
+              <a:t>Monday, 04-June-2018</a:t>
             </a:fld>
             <a:endParaRPr lang="en-US"/>
           </a:p>
@@ -608,7 +608,7 @@
           <a:p>
             <a:fld id="{8C372256-F451-48B9-B29A-D681416A6B37}" type="datetimeFigureOut">
               <a:rPr lang="en-US" smtClean="0"/>
-              <a:t>Wednesday, 30-May-2018</a:t>
+              <a:t>Monday, 04-June-2018</a:t>
             </a:fld>
             <a:endParaRPr lang="en-US"/>
           </a:p>
@@ -778,7 +778,7 @@
           <a:p>
             <a:fld id="{8C372256-F451-48B9-B29A-D681416A6B37}" type="datetimeFigureOut">
               <a:rPr lang="en-US" smtClean="0"/>
-              <a:t>Wednesday, 30-May-2018</a:t>
+              <a:t>Monday, 04-June-2018</a:t>
             </a:fld>
             <a:endParaRPr lang="en-US"/>
           </a:p>
@@ -1024,7 +1024,7 @@
           <a:p>
             <a:fld id="{8C372256-F451-48B9-B29A-D681416A6B37}" type="datetimeFigureOut">
               <a:rPr lang="en-US" smtClean="0"/>
-              <a:t>Wednesday, 30-May-2018</a:t>
+              <a:t>Monday, 04-June-2018</a:t>
             </a:fld>
             <a:endParaRPr lang="en-US"/>
           </a:p>
@@ -1256,7 +1256,7 @@
           <a:p>
             <a:fld id="{8C372256-F451-48B9-B29A-D681416A6B37}" type="datetimeFigureOut">
               <a:rPr lang="en-US" smtClean="0"/>
-              <a:t>Wednesday, 30-May-2018</a:t>
+              <a:t>Monday, 04-June-2018</a:t>
             </a:fld>
             <a:endParaRPr lang="en-US"/>
           </a:p>
@@ -1623,7 +1623,7 @@
           <a:p>
             <a:fld id="{8C372256-F451-48B9-B29A-D681416A6B37}" type="datetimeFigureOut">
               <a:rPr lang="en-US" smtClean="0"/>
-              <a:t>Wednesday, 30-May-2018</a:t>
+              <a:t>Monday, 04-June-2018</a:t>
             </a:fld>
             <a:endParaRPr lang="en-US"/>
           </a:p>
@@ -1741,7 +1741,7 @@
           <a:p>
             <a:fld id="{8C372256-F451-48B9-B29A-D681416A6B37}" type="datetimeFigureOut">
               <a:rPr lang="en-US" smtClean="0"/>
-              <a:t>Wednesday, 30-May-2018</a:t>
+              <a:t>Monday, 04-June-2018</a:t>
             </a:fld>
             <a:endParaRPr lang="en-US"/>
           </a:p>
@@ -1836,7 +1836,7 @@
           <a:p>
             <a:fld id="{8C372256-F451-48B9-B29A-D681416A6B37}" type="datetimeFigureOut">
               <a:rPr lang="en-US" smtClean="0"/>
-              <a:t>Wednesday, 30-May-2018</a:t>
+              <a:t>Monday, 04-June-2018</a:t>
             </a:fld>
             <a:endParaRPr lang="en-US"/>
           </a:p>
@@ -2113,7 +2113,7 @@
           <a:p>
             <a:fld id="{8C372256-F451-48B9-B29A-D681416A6B37}" type="datetimeFigureOut">
               <a:rPr lang="en-US" smtClean="0"/>
-              <a:t>Wednesday, 30-May-2018</a:t>
+              <a:t>Monday, 04-June-2018</a:t>
             </a:fld>
             <a:endParaRPr lang="en-US"/>
           </a:p>
@@ -2366,7 +2366,7 @@
           <a:p>
             <a:fld id="{8C372256-F451-48B9-B29A-D681416A6B37}" type="datetimeFigureOut">
               <a:rPr lang="en-US" smtClean="0"/>
-              <a:t>Wednesday, 30-May-2018</a:t>
+              <a:t>Monday, 04-June-2018</a:t>
             </a:fld>
             <a:endParaRPr lang="en-US"/>
           </a:p>
@@ -2579,7 +2579,7 @@
           <a:p>
             <a:fld id="{8C372256-F451-48B9-B29A-D681416A6B37}" type="datetimeFigureOut">
               <a:rPr lang="en-US" smtClean="0"/>
-              <a:t>Wednesday, 30-May-2018</a:t>
+              <a:t>Monday, 04-June-2018</a:t>
             </a:fld>
             <a:endParaRPr lang="en-US"/>
           </a:p>
@@ -4110,7 +4110,25 @@
           <a:p>
             <a:r>
               <a:rPr lang="en-US" dirty="0" smtClean="0"/>
-              <a:t>Live demo.</a:t>
+              <a:t>SPA.</a:t>
+            </a:r>
+          </a:p>
+          <a:p>
+            <a:r>
+              <a:rPr lang="en-US" dirty="0" smtClean="0"/>
+              <a:t>Call Dynamics 365 web </a:t>
+            </a:r>
+            <a:r>
+              <a:rPr lang="en-US" dirty="0" err="1" smtClean="0"/>
+              <a:t>api</a:t>
+            </a:r>
+            <a:r>
+              <a:rPr lang="en-US" dirty="0" smtClean="0"/>
+              <a:t> </a:t>
+            </a:r>
+            <a:r>
+              <a:rPr lang="en-US" smtClean="0"/>
+              <a:t>from ASP.NET.</a:t>
             </a:r>
             <a:endParaRPr lang="en-US" dirty="0"/>
           </a:p>
@@ -4657,7 +4675,15 @@
             <a:pPr algn="ctr"/>
             <a:r>
               <a:rPr lang="en-US" dirty="0" smtClean="0"/>
-              <a:t>Data from Dynamics REST web </a:t>
+              <a:t>Data from </a:t>
+            </a:r>
+            <a:r>
+              <a:rPr lang="en-US" dirty="0" smtClean="0"/>
+              <a:t>Dynamics 365 </a:t>
+            </a:r>
+            <a:r>
+              <a:rPr lang="en-US" dirty="0" smtClean="0"/>
+              <a:t>REST web </a:t>
             </a:r>
             <a:r>
               <a:rPr lang="en-US" dirty="0" err="1" smtClean="0"/>
@@ -5294,7 +5320,7 @@
         <p:spPr>
           <a:xfrm rot="10800000">
             <a:off x="4991100" y="5372100"/>
-            <a:ext cx="4445000" cy="863600"/>
+            <a:ext cx="4368053" cy="863600"/>
           </a:xfrm>
           <a:prstGeom prst="uturnArrow">
             <a:avLst>
